--- a/diabetes_readmission/CP1_deck__new.pptx
+++ b/diabetes_readmission/CP1_deck__new.pptx
@@ -136,7 +136,7 @@
   </p:defaultTextStyle>
   <p:extLst>
     <p:ext uri="{EFAFB233-063F-42B5-8137-9DF3F51BA10A}">
-      <p15:sldGuideLst xmlns:p15="http://schemas.microsoft.com/office/powerpoint/2012/main" xmlns="">
+      <p15:sldGuideLst xmlns="" xmlns:p15="http://schemas.microsoft.com/office/powerpoint/2012/main">
         <p15:guide id="1" orient="horz" pos="2160">
           <p15:clr>
             <a:srgbClr val="A4A3A4"/>
@@ -235,7 +235,7 @@
           <a:p>
             <a:fld id="{B95983EA-983F-904F-83DD-974C6F7583DD}" type="datetimeFigureOut">
               <a:rPr lang="en-US" smtClean="0"/>
-              <a:t>10/7/17</a:t>
+              <a:t>10/8/17</a:t>
             </a:fld>
             <a:endParaRPr lang="en-US"/>
           </a:p>
@@ -401,7 +401,7 @@
           <a:p>
             <a:fld id="{D7575A28-C723-284E-AA52-8335EFAFF39B}" type="datetimeFigureOut">
               <a:rPr lang="en-US" smtClean="0"/>
-              <a:t>10/7/17</a:t>
+              <a:t>10/8/17</a:t>
             </a:fld>
             <a:endParaRPr lang="en-US"/>
           </a:p>
@@ -1138,7 +1138,7 @@
           <a:p>
             <a:fld id="{44D51437-4112-A249-A00E-EA57547645CF}" type="datetime4">
               <a:rPr lang="en-US" smtClean="0"/>
-              <a:t>October 7, 2017</a:t>
+              <a:t>October 8, 2017</a:t>
             </a:fld>
             <a:endParaRPr lang="en-US" dirty="0"/>
           </a:p>
@@ -1302,7 +1302,7 @@
           <a:p>
             <a:fld id="{B7C83C30-3E8E-584E-9421-C65822A6F497}" type="datetime4">
               <a:rPr lang="en-US" smtClean="0"/>
-              <a:t>October 7, 2017</a:t>
+              <a:t>October 8, 2017</a:t>
             </a:fld>
             <a:endParaRPr lang="en-US" dirty="0"/>
           </a:p>
@@ -1477,7 +1477,7 @@
           <a:p>
             <a:fld id="{2CE5FF52-2F48-A241-A371-E854A4247CAD}" type="datetime4">
               <a:rPr lang="en-US" smtClean="0"/>
-              <a:t>October 7, 2017</a:t>
+              <a:t>October 8, 2017</a:t>
             </a:fld>
             <a:endParaRPr lang="en-US" dirty="0"/>
           </a:p>
@@ -1642,7 +1642,7 @@
           <a:p>
             <a:fld id="{09E13A11-5CA4-0741-B58E-3B20191AF4EE}" type="datetime4">
               <a:rPr lang="en-US" smtClean="0"/>
-              <a:t>October 7, 2017</a:t>
+              <a:t>October 8, 2017</a:t>
             </a:fld>
             <a:endParaRPr lang="en-US" dirty="0"/>
           </a:p>
@@ -2196,7 +2196,7 @@
           <a:p>
             <a:fld id="{53D8DDA2-7E91-D145-8B0D-E06679982622}" type="datetime4">
               <a:rPr lang="en-US" smtClean="0"/>
-              <a:t>October 7, 2017</a:t>
+              <a:t>October 8, 2017</a:t>
             </a:fld>
             <a:endParaRPr lang="en-US" dirty="0"/>
           </a:p>
@@ -2457,7 +2457,7 @@
           <a:p>
             <a:fld id="{A7412871-B456-6748-AA0E-B31450319AA8}" type="datetime4">
               <a:rPr lang="en-US" smtClean="0"/>
-              <a:t>October 7, 2017</a:t>
+              <a:t>October 8, 2017</a:t>
             </a:fld>
             <a:endParaRPr lang="en-US" dirty="0"/>
           </a:p>
@@ -2944,7 +2944,7 @@
           <a:p>
             <a:fld id="{2062E030-E80F-FE4F-B834-FD74F0652C36}" type="datetime4">
               <a:rPr lang="en-US" smtClean="0"/>
-              <a:t>October 7, 2017</a:t>
+              <a:t>October 8, 2017</a:t>
             </a:fld>
             <a:endParaRPr lang="en-US" dirty="0"/>
           </a:p>
@@ -3057,7 +3057,7 @@
           <a:p>
             <a:fld id="{12AB333E-2F3C-ED46-90F6-113FB1EC5773}" type="datetime4">
               <a:rPr lang="en-US" smtClean="0"/>
-              <a:t>October 7, 2017</a:t>
+              <a:t>October 8, 2017</a:t>
             </a:fld>
             <a:endParaRPr lang="en-US" dirty="0"/>
           </a:p>
@@ -3148,7 +3148,7 @@
           <a:p>
             <a:fld id="{7C736400-4D78-1D47-A6F1-333FBACA4314}" type="datetime4">
               <a:rPr lang="en-US" smtClean="0"/>
-              <a:t>October 7, 2017</a:t>
+              <a:t>October 8, 2017</a:t>
             </a:fld>
             <a:endParaRPr lang="en-US" dirty="0"/>
           </a:p>
@@ -3579,7 +3579,7 @@
           <a:p>
             <a:fld id="{D82C8B98-0744-1D4C-8D42-93EFFAB4A171}" type="datetime4">
               <a:rPr lang="en-US" smtClean="0"/>
-              <a:t>October 7, 2017</a:t>
+              <a:t>October 8, 2017</a:t>
             </a:fld>
             <a:endParaRPr lang="en-US" dirty="0"/>
           </a:p>
@@ -4112,7 +4112,7 @@
           <a:p>
             <a:fld id="{34FC1E88-744D-8E4B-A2D7-34F711E68353}" type="datetime4">
               <a:rPr lang="en-US" smtClean="0"/>
-              <a:t>October 7, 2017</a:t>
+              <a:t>October 8, 2017</a:t>
             </a:fld>
             <a:endParaRPr lang="en-US" dirty="0"/>
           </a:p>
@@ -4959,7 +4959,7 @@
           <a:p>
             <a:fld id="{8012553C-9623-FF42-8D0B-26245A150A2D}" type="datetime4">
               <a:rPr lang="en-US" smtClean="0"/>
-              <a:t>October 7, 2017</a:t>
+              <a:t>October 8, 2017</a:t>
             </a:fld>
             <a:endParaRPr lang="en-US" dirty="0"/>
           </a:p>
@@ -6164,7 +6164,6 @@
               <a:rPr lang="en-US" sz="2400" dirty="0"/>
               <a:t>Precision is slightly higher for test data. </a:t>
             </a:r>
-            <a:endParaRPr lang="en-US" sz="2400" dirty="0"/>
           </a:p>
           <a:p>
             <a:pPr lvl="2">
@@ -6207,21 +6206,21 @@
                 <a:gridCol w="1493133">
                   <a:extLst>
                     <a:ext uri="{9D8B030D-6E8A-4147-A177-3AD203B41FA5}">
-                      <a16:colId xmlns:a16="http://schemas.microsoft.com/office/drawing/2014/main" xmlns="" val="20000"/>
+                      <a16:colId xmlns="" xmlns:a16="http://schemas.microsoft.com/office/drawing/2014/main" val="20000"/>
                     </a:ext>
                   </a:extLst>
                 </a:gridCol>
                 <a:gridCol w="1493133">
                   <a:extLst>
                     <a:ext uri="{9D8B030D-6E8A-4147-A177-3AD203B41FA5}">
-                      <a16:colId xmlns:a16="http://schemas.microsoft.com/office/drawing/2014/main" xmlns="" val="20001"/>
+                      <a16:colId xmlns="" xmlns:a16="http://schemas.microsoft.com/office/drawing/2014/main" val="20001"/>
                     </a:ext>
                   </a:extLst>
                 </a:gridCol>
                 <a:gridCol w="1493133">
                   <a:extLst>
                     <a:ext uri="{9D8B030D-6E8A-4147-A177-3AD203B41FA5}">
-                      <a16:colId xmlns:a16="http://schemas.microsoft.com/office/drawing/2014/main" xmlns="" val="20002"/>
+                      <a16:colId xmlns="" xmlns:a16="http://schemas.microsoft.com/office/drawing/2014/main" val="20002"/>
                     </a:ext>
                   </a:extLst>
                 </a:gridCol>
@@ -6331,7 +6330,7 @@
                 </a:tc>
                 <a:extLst>
                   <a:ext uri="{0D108BD9-81ED-4DB2-BD59-A6C34878D82A}">
-                    <a16:rowId xmlns:a16="http://schemas.microsoft.com/office/drawing/2014/main" xmlns="" val="10000"/>
+                    <a16:rowId xmlns="" xmlns:a16="http://schemas.microsoft.com/office/drawing/2014/main" val="10000"/>
                   </a:ext>
                 </a:extLst>
               </a:tr>
@@ -6452,7 +6451,7 @@
                 </a:tc>
                 <a:extLst>
                   <a:ext uri="{0D108BD9-81ED-4DB2-BD59-A6C34878D82A}">
-                    <a16:rowId xmlns:a16="http://schemas.microsoft.com/office/drawing/2014/main" xmlns="" val="10001"/>
+                    <a16:rowId xmlns="" xmlns:a16="http://schemas.microsoft.com/office/drawing/2014/main" val="10001"/>
                   </a:ext>
                 </a:extLst>
               </a:tr>
@@ -6573,7 +6572,7 @@
                 </a:tc>
                 <a:extLst>
                   <a:ext uri="{0D108BD9-81ED-4DB2-BD59-A6C34878D82A}">
-                    <a16:rowId xmlns:a16="http://schemas.microsoft.com/office/drawing/2014/main" xmlns="" val="10002"/>
+                    <a16:rowId xmlns="" xmlns:a16="http://schemas.microsoft.com/office/drawing/2014/main" val="10002"/>
                   </a:ext>
                 </a:extLst>
               </a:tr>
@@ -6690,14 +6689,14 @@
                 <a:gridCol w="3030184">
                   <a:extLst>
                     <a:ext uri="{9D8B030D-6E8A-4147-A177-3AD203B41FA5}">
-                      <a16:colId xmlns:a16="http://schemas.microsoft.com/office/drawing/2014/main" xmlns="" val="20000"/>
+                      <a16:colId xmlns="" xmlns:a16="http://schemas.microsoft.com/office/drawing/2014/main" val="20000"/>
                     </a:ext>
                   </a:extLst>
                 </a:gridCol>
                 <a:gridCol w="1789854">
                   <a:extLst>
                     <a:ext uri="{9D8B030D-6E8A-4147-A177-3AD203B41FA5}">
-                      <a16:colId xmlns:a16="http://schemas.microsoft.com/office/drawing/2014/main" xmlns="" val="20001"/>
+                      <a16:colId xmlns="" xmlns:a16="http://schemas.microsoft.com/office/drawing/2014/main" val="20001"/>
                     </a:ext>
                   </a:extLst>
                 </a:gridCol>
@@ -6781,7 +6780,7 @@
                 </a:tc>
                 <a:extLst>
                   <a:ext uri="{0D108BD9-81ED-4DB2-BD59-A6C34878D82A}">
-                    <a16:rowId xmlns:a16="http://schemas.microsoft.com/office/drawing/2014/main" xmlns="" val="10000"/>
+                    <a16:rowId xmlns="" xmlns:a16="http://schemas.microsoft.com/office/drawing/2014/main" val="10000"/>
                   </a:ext>
                 </a:extLst>
               </a:tr>
@@ -6858,7 +6857,7 @@
                 </a:tc>
                 <a:extLst>
                   <a:ext uri="{0D108BD9-81ED-4DB2-BD59-A6C34878D82A}">
-                    <a16:rowId xmlns:a16="http://schemas.microsoft.com/office/drawing/2014/main" xmlns="" val="10001"/>
+                    <a16:rowId xmlns="" xmlns:a16="http://schemas.microsoft.com/office/drawing/2014/main" val="10001"/>
                   </a:ext>
                 </a:extLst>
               </a:tr>
@@ -6935,7 +6934,7 @@
                 </a:tc>
                 <a:extLst>
                   <a:ext uri="{0D108BD9-81ED-4DB2-BD59-A6C34878D82A}">
-                    <a16:rowId xmlns:a16="http://schemas.microsoft.com/office/drawing/2014/main" xmlns="" val="10002"/>
+                    <a16:rowId xmlns="" xmlns:a16="http://schemas.microsoft.com/office/drawing/2014/main" val="10002"/>
                   </a:ext>
                 </a:extLst>
               </a:tr>
@@ -7012,7 +7011,7 @@
                 </a:tc>
                 <a:extLst>
                   <a:ext uri="{0D108BD9-81ED-4DB2-BD59-A6C34878D82A}">
-                    <a16:rowId xmlns:a16="http://schemas.microsoft.com/office/drawing/2014/main" xmlns="" val="10003"/>
+                    <a16:rowId xmlns="" xmlns:a16="http://schemas.microsoft.com/office/drawing/2014/main" val="10003"/>
                   </a:ext>
                 </a:extLst>
               </a:tr>
@@ -7089,7 +7088,7 @@
                 </a:tc>
                 <a:extLst>
                   <a:ext uri="{0D108BD9-81ED-4DB2-BD59-A6C34878D82A}">
-                    <a16:rowId xmlns:a16="http://schemas.microsoft.com/office/drawing/2014/main" xmlns="" val="10004"/>
+                    <a16:rowId xmlns="" xmlns:a16="http://schemas.microsoft.com/office/drawing/2014/main" val="10004"/>
                   </a:ext>
                 </a:extLst>
               </a:tr>
@@ -7166,7 +7165,7 @@
                 </a:tc>
                 <a:extLst>
                   <a:ext uri="{0D108BD9-81ED-4DB2-BD59-A6C34878D82A}">
-                    <a16:rowId xmlns:a16="http://schemas.microsoft.com/office/drawing/2014/main" xmlns="" val="10005"/>
+                    <a16:rowId xmlns="" xmlns:a16="http://schemas.microsoft.com/office/drawing/2014/main" val="10005"/>
                   </a:ext>
                 </a:extLst>
               </a:tr>
@@ -7428,11 +7427,7 @@
             <a:pPr algn="ctr"/>
             <a:r>
               <a:rPr lang="en-US" dirty="0" smtClean="0"/>
-              <a:t>Exploring effect of choosing </a:t>
-            </a:r>
-            <a:r>
-              <a:rPr lang="en-US" dirty="0" smtClean="0"/>
-              <a:t>different samples</a:t>
+              <a:t>Exploring effect of choosing different samples</a:t>
             </a:r>
             <a:endParaRPr lang="en-US" dirty="0"/>
           </a:p>
@@ -8088,14 +8083,14 @@
                 <a:gridCol w="3030184">
                   <a:extLst>
                     <a:ext uri="{9D8B030D-6E8A-4147-A177-3AD203B41FA5}">
-                      <a16:colId xmlns:a16="http://schemas.microsoft.com/office/drawing/2014/main" xmlns="" val="20000"/>
+                      <a16:colId xmlns="" xmlns:a16="http://schemas.microsoft.com/office/drawing/2014/main" val="20000"/>
                     </a:ext>
                   </a:extLst>
                 </a:gridCol>
                 <a:gridCol w="1789854">
                   <a:extLst>
                     <a:ext uri="{9D8B030D-6E8A-4147-A177-3AD203B41FA5}">
-                      <a16:colId xmlns:a16="http://schemas.microsoft.com/office/drawing/2014/main" xmlns="" val="20001"/>
+                      <a16:colId xmlns="" xmlns:a16="http://schemas.microsoft.com/office/drawing/2014/main" val="20001"/>
                     </a:ext>
                   </a:extLst>
                 </a:gridCol>
@@ -8179,7 +8174,7 @@
                 </a:tc>
                 <a:extLst>
                   <a:ext uri="{0D108BD9-81ED-4DB2-BD59-A6C34878D82A}">
-                    <a16:rowId xmlns:a16="http://schemas.microsoft.com/office/drawing/2014/main" xmlns="" val="10000"/>
+                    <a16:rowId xmlns="" xmlns:a16="http://schemas.microsoft.com/office/drawing/2014/main" val="10000"/>
                   </a:ext>
                 </a:extLst>
               </a:tr>
@@ -8256,7 +8251,7 @@
                 </a:tc>
                 <a:extLst>
                   <a:ext uri="{0D108BD9-81ED-4DB2-BD59-A6C34878D82A}">
-                    <a16:rowId xmlns:a16="http://schemas.microsoft.com/office/drawing/2014/main" xmlns="" val="10001"/>
+                    <a16:rowId xmlns="" xmlns:a16="http://schemas.microsoft.com/office/drawing/2014/main" val="10001"/>
                   </a:ext>
                 </a:extLst>
               </a:tr>
@@ -8333,7 +8328,7 @@
                 </a:tc>
                 <a:extLst>
                   <a:ext uri="{0D108BD9-81ED-4DB2-BD59-A6C34878D82A}">
-                    <a16:rowId xmlns:a16="http://schemas.microsoft.com/office/drawing/2014/main" xmlns="" val="10002"/>
+                    <a16:rowId xmlns="" xmlns:a16="http://schemas.microsoft.com/office/drawing/2014/main" val="10002"/>
                   </a:ext>
                 </a:extLst>
               </a:tr>
@@ -8410,7 +8405,7 @@
                 </a:tc>
                 <a:extLst>
                   <a:ext uri="{0D108BD9-81ED-4DB2-BD59-A6C34878D82A}">
-                    <a16:rowId xmlns:a16="http://schemas.microsoft.com/office/drawing/2014/main" xmlns="" val="10003"/>
+                    <a16:rowId xmlns="" xmlns:a16="http://schemas.microsoft.com/office/drawing/2014/main" val="10003"/>
                   </a:ext>
                 </a:extLst>
               </a:tr>
@@ -8487,7 +8482,7 @@
                 </a:tc>
                 <a:extLst>
                   <a:ext uri="{0D108BD9-81ED-4DB2-BD59-A6C34878D82A}">
-                    <a16:rowId xmlns:a16="http://schemas.microsoft.com/office/drawing/2014/main" xmlns="" val="10004"/>
+                    <a16:rowId xmlns="" xmlns:a16="http://schemas.microsoft.com/office/drawing/2014/main" val="10004"/>
                   </a:ext>
                 </a:extLst>
               </a:tr>
@@ -8564,7 +8559,7 @@
                 </a:tc>
                 <a:extLst>
                   <a:ext uri="{0D108BD9-81ED-4DB2-BD59-A6C34878D82A}">
-                    <a16:rowId xmlns:a16="http://schemas.microsoft.com/office/drawing/2014/main" xmlns="" val="10005"/>
+                    <a16:rowId xmlns="" xmlns:a16="http://schemas.microsoft.com/office/drawing/2014/main" val="10005"/>
                   </a:ext>
                 </a:extLst>
               </a:tr>
@@ -9414,7 +9409,15 @@
             <a:pPr lvl="0"/>
             <a:r>
               <a:rPr lang="en-US" sz="1400" dirty="0"/>
-              <a:t>2. This data set was obtained from a previous study done to explore a similar problem. It included about 102,000 observations and 50 variables. More information is available here: </a:t>
+              <a:t>2. </a:t>
+            </a:r>
+            <a:r>
+              <a:rPr lang="en-US" sz="1400" dirty="0" smtClean="0"/>
+              <a:t> 	This </a:t>
+            </a:r>
+            <a:r>
+              <a:rPr lang="en-US" sz="1400" dirty="0"/>
+              <a:t>data set was obtained from a previous study done to explore a similar problem. It included about 102,000 observations and 50 variables. More information is available here: </a:t>
             </a:r>
             <a:r>
               <a:rPr lang="en-US" sz="1400" u="sng" dirty="0">
@@ -9439,7 +9442,7 @@
             </a:r>
             <a:r>
               <a:rPr lang="en-US" sz="1400" dirty="0" smtClean="0"/>
-              <a:t>Guillaume  </a:t>
+              <a:t>	Guillaume  </a:t>
             </a:r>
             <a:r>
               <a:rPr lang="en-US" sz="1400" dirty="0" err="1" smtClean="0"/>
@@ -9499,19 +9502,11 @@
             </a:r>
             <a:r>
               <a:rPr lang="en-US" sz="1400" dirty="0"/>
-              <a:t>-</a:t>
-            </a:r>
-            <a:r>
-              <a:rPr lang="en-US" sz="1400" dirty="0"/>
-              <a:t>5, </a:t>
+              <a:t>-5, </a:t>
             </a:r>
             <a:r>
               <a:rPr lang="en-US" sz="1400" dirty="0" smtClean="0"/>
-              <a:t>2017.</a:t>
-            </a:r>
-            <a:r>
-              <a:rPr lang="en-US" sz="1400" dirty="0" smtClean="0"/>
-              <a:t> </a:t>
+              <a:t>2017. </a:t>
             </a:r>
             <a:r>
               <a:rPr lang="en-US" sz="1400" dirty="0" smtClean="0">
@@ -9544,11 +9539,19 @@
           <a:p>
             <a:r>
               <a:rPr lang="en-US" sz="1400" dirty="0"/>
-              <a:t>4. </a:t>
+              <a:t>4</a:t>
+            </a:r>
+            <a:r>
+              <a:rPr lang="en-US" sz="1400"/>
+              <a:t>. </a:t>
+            </a:r>
+            <a:r>
+              <a:rPr lang="en-US" sz="1400" smtClean="0"/>
+              <a:t>	F</a:t>
             </a:r>
             <a:r>
               <a:rPr lang="en-US" sz="1400" dirty="0"/>
-              <a:t>F. </a:t>
+              <a:t>. </a:t>
             </a:r>
             <a:r>
               <a:rPr lang="en-US" sz="1400" dirty="0" err="1"/>
@@ -10544,28 +10547,28 @@
                 <a:gridCol w="1268206">
                   <a:extLst>
                     <a:ext uri="{9D8B030D-6E8A-4147-A177-3AD203B41FA5}">
-                      <a16:colId xmlns:a16="http://schemas.microsoft.com/office/drawing/2014/main" xmlns="" val="20000"/>
+                      <a16:colId xmlns="" xmlns:a16="http://schemas.microsoft.com/office/drawing/2014/main" val="20000"/>
                     </a:ext>
                   </a:extLst>
                 </a:gridCol>
                 <a:gridCol w="1268206">
                   <a:extLst>
                     <a:ext uri="{9D8B030D-6E8A-4147-A177-3AD203B41FA5}">
-                      <a16:colId xmlns:a16="http://schemas.microsoft.com/office/drawing/2014/main" xmlns="" val="20001"/>
+                      <a16:colId xmlns="" xmlns:a16="http://schemas.microsoft.com/office/drawing/2014/main" val="20001"/>
                     </a:ext>
                   </a:extLst>
                 </a:gridCol>
                 <a:gridCol w="1268206">
                   <a:extLst>
                     <a:ext uri="{9D8B030D-6E8A-4147-A177-3AD203B41FA5}">
-                      <a16:colId xmlns:a16="http://schemas.microsoft.com/office/drawing/2014/main" xmlns="" val="20002"/>
+                      <a16:colId xmlns="" xmlns:a16="http://schemas.microsoft.com/office/drawing/2014/main" val="20002"/>
                     </a:ext>
                   </a:extLst>
                 </a:gridCol>
                 <a:gridCol w="1268206">
                   <a:extLst>
                     <a:ext uri="{9D8B030D-6E8A-4147-A177-3AD203B41FA5}">
-                      <a16:colId xmlns:a16="http://schemas.microsoft.com/office/drawing/2014/main" xmlns="" val="20003"/>
+                      <a16:colId xmlns="" xmlns:a16="http://schemas.microsoft.com/office/drawing/2014/main" val="20003"/>
                     </a:ext>
                   </a:extLst>
                 </a:gridCol>
@@ -10831,7 +10834,7 @@
                 </a:tc>
                 <a:extLst>
                   <a:ext uri="{0D108BD9-81ED-4DB2-BD59-A6C34878D82A}">
-                    <a16:rowId xmlns:a16="http://schemas.microsoft.com/office/drawing/2014/main" xmlns="" val="10000"/>
+                    <a16:rowId xmlns="" xmlns:a16="http://schemas.microsoft.com/office/drawing/2014/main" val="10000"/>
                   </a:ext>
                 </a:extLst>
               </a:tr>
@@ -11002,7 +11005,7 @@
                 </a:tc>
                 <a:extLst>
                   <a:ext uri="{0D108BD9-81ED-4DB2-BD59-A6C34878D82A}">
-                    <a16:rowId xmlns:a16="http://schemas.microsoft.com/office/drawing/2014/main" xmlns="" val="10001"/>
+                    <a16:rowId xmlns="" xmlns:a16="http://schemas.microsoft.com/office/drawing/2014/main" val="10001"/>
                   </a:ext>
                 </a:extLst>
               </a:tr>
@@ -11173,7 +11176,7 @@
                 </a:tc>
                 <a:extLst>
                   <a:ext uri="{0D108BD9-81ED-4DB2-BD59-A6C34878D82A}">
-                    <a16:rowId xmlns:a16="http://schemas.microsoft.com/office/drawing/2014/main" xmlns="" val="10002"/>
+                    <a16:rowId xmlns="" xmlns:a16="http://schemas.microsoft.com/office/drawing/2014/main" val="10002"/>
                   </a:ext>
                 </a:extLst>
               </a:tr>
@@ -11344,7 +11347,7 @@
                 </a:tc>
                 <a:extLst>
                   <a:ext uri="{0D108BD9-81ED-4DB2-BD59-A6C34878D82A}">
-                    <a16:rowId xmlns:a16="http://schemas.microsoft.com/office/drawing/2014/main" xmlns="" val="10003"/>
+                    <a16:rowId xmlns="" xmlns:a16="http://schemas.microsoft.com/office/drawing/2014/main" val="10003"/>
                   </a:ext>
                 </a:extLst>
               </a:tr>

--- a/diabetes_readmission/CP1_deck__new.pptx
+++ b/diabetes_readmission/CP1_deck__new.pptx
@@ -136,7 +136,7 @@
   </p:defaultTextStyle>
   <p:extLst>
     <p:ext uri="{EFAFB233-063F-42B5-8137-9DF3F51BA10A}">
-      <p15:sldGuideLst xmlns="" xmlns:p15="http://schemas.microsoft.com/office/powerpoint/2012/main">
+      <p15:sldGuideLst xmlns:p15="http://schemas.microsoft.com/office/powerpoint/2012/main" xmlns="">
         <p15:guide id="1" orient="horz" pos="2160">
           <p15:clr>
             <a:srgbClr val="A4A3A4"/>
@@ -6206,21 +6206,21 @@
                 <a:gridCol w="1493133">
                   <a:extLst>
                     <a:ext uri="{9D8B030D-6E8A-4147-A177-3AD203B41FA5}">
-                      <a16:colId xmlns="" xmlns:a16="http://schemas.microsoft.com/office/drawing/2014/main" val="20000"/>
+                      <a16:colId xmlns:a16="http://schemas.microsoft.com/office/drawing/2014/main" xmlns="" val="20000"/>
                     </a:ext>
                   </a:extLst>
                 </a:gridCol>
                 <a:gridCol w="1493133">
                   <a:extLst>
                     <a:ext uri="{9D8B030D-6E8A-4147-A177-3AD203B41FA5}">
-                      <a16:colId xmlns="" xmlns:a16="http://schemas.microsoft.com/office/drawing/2014/main" val="20001"/>
+                      <a16:colId xmlns:a16="http://schemas.microsoft.com/office/drawing/2014/main" xmlns="" val="20001"/>
                     </a:ext>
                   </a:extLst>
                 </a:gridCol>
                 <a:gridCol w="1493133">
                   <a:extLst>
                     <a:ext uri="{9D8B030D-6E8A-4147-A177-3AD203B41FA5}">
-                      <a16:colId xmlns="" xmlns:a16="http://schemas.microsoft.com/office/drawing/2014/main" val="20002"/>
+                      <a16:colId xmlns:a16="http://schemas.microsoft.com/office/drawing/2014/main" xmlns="" val="20002"/>
                     </a:ext>
                   </a:extLst>
                 </a:gridCol>
@@ -6330,7 +6330,7 @@
                 </a:tc>
                 <a:extLst>
                   <a:ext uri="{0D108BD9-81ED-4DB2-BD59-A6C34878D82A}">
-                    <a16:rowId xmlns="" xmlns:a16="http://schemas.microsoft.com/office/drawing/2014/main" val="10000"/>
+                    <a16:rowId xmlns:a16="http://schemas.microsoft.com/office/drawing/2014/main" xmlns="" val="10000"/>
                   </a:ext>
                 </a:extLst>
               </a:tr>
@@ -6451,7 +6451,7 @@
                 </a:tc>
                 <a:extLst>
                   <a:ext uri="{0D108BD9-81ED-4DB2-BD59-A6C34878D82A}">
-                    <a16:rowId xmlns="" xmlns:a16="http://schemas.microsoft.com/office/drawing/2014/main" val="10001"/>
+                    <a16:rowId xmlns:a16="http://schemas.microsoft.com/office/drawing/2014/main" xmlns="" val="10001"/>
                   </a:ext>
                 </a:extLst>
               </a:tr>
@@ -6572,7 +6572,7 @@
                 </a:tc>
                 <a:extLst>
                   <a:ext uri="{0D108BD9-81ED-4DB2-BD59-A6C34878D82A}">
-                    <a16:rowId xmlns="" xmlns:a16="http://schemas.microsoft.com/office/drawing/2014/main" val="10002"/>
+                    <a16:rowId xmlns:a16="http://schemas.microsoft.com/office/drawing/2014/main" xmlns="" val="10002"/>
                   </a:ext>
                 </a:extLst>
               </a:tr>
@@ -6689,14 +6689,14 @@
                 <a:gridCol w="3030184">
                   <a:extLst>
                     <a:ext uri="{9D8B030D-6E8A-4147-A177-3AD203B41FA5}">
-                      <a16:colId xmlns="" xmlns:a16="http://schemas.microsoft.com/office/drawing/2014/main" val="20000"/>
+                      <a16:colId xmlns:a16="http://schemas.microsoft.com/office/drawing/2014/main" xmlns="" val="20000"/>
                     </a:ext>
                   </a:extLst>
                 </a:gridCol>
                 <a:gridCol w="1789854">
                   <a:extLst>
                     <a:ext uri="{9D8B030D-6E8A-4147-A177-3AD203B41FA5}">
-                      <a16:colId xmlns="" xmlns:a16="http://schemas.microsoft.com/office/drawing/2014/main" val="20001"/>
+                      <a16:colId xmlns:a16="http://schemas.microsoft.com/office/drawing/2014/main" xmlns="" val="20001"/>
                     </a:ext>
                   </a:extLst>
                 </a:gridCol>
@@ -6780,7 +6780,7 @@
                 </a:tc>
                 <a:extLst>
                   <a:ext uri="{0D108BD9-81ED-4DB2-BD59-A6C34878D82A}">
-                    <a16:rowId xmlns="" xmlns:a16="http://schemas.microsoft.com/office/drawing/2014/main" val="10000"/>
+                    <a16:rowId xmlns:a16="http://schemas.microsoft.com/office/drawing/2014/main" xmlns="" val="10000"/>
                   </a:ext>
                 </a:extLst>
               </a:tr>
@@ -6857,7 +6857,7 @@
                 </a:tc>
                 <a:extLst>
                   <a:ext uri="{0D108BD9-81ED-4DB2-BD59-A6C34878D82A}">
-                    <a16:rowId xmlns="" xmlns:a16="http://schemas.microsoft.com/office/drawing/2014/main" val="10001"/>
+                    <a16:rowId xmlns:a16="http://schemas.microsoft.com/office/drawing/2014/main" xmlns="" val="10001"/>
                   </a:ext>
                 </a:extLst>
               </a:tr>
@@ -6934,7 +6934,7 @@
                 </a:tc>
                 <a:extLst>
                   <a:ext uri="{0D108BD9-81ED-4DB2-BD59-A6C34878D82A}">
-                    <a16:rowId xmlns="" xmlns:a16="http://schemas.microsoft.com/office/drawing/2014/main" val="10002"/>
+                    <a16:rowId xmlns:a16="http://schemas.microsoft.com/office/drawing/2014/main" xmlns="" val="10002"/>
                   </a:ext>
                 </a:extLst>
               </a:tr>
@@ -7011,7 +7011,7 @@
                 </a:tc>
                 <a:extLst>
                   <a:ext uri="{0D108BD9-81ED-4DB2-BD59-A6C34878D82A}">
-                    <a16:rowId xmlns="" xmlns:a16="http://schemas.microsoft.com/office/drawing/2014/main" val="10003"/>
+                    <a16:rowId xmlns:a16="http://schemas.microsoft.com/office/drawing/2014/main" xmlns="" val="10003"/>
                   </a:ext>
                 </a:extLst>
               </a:tr>
@@ -7088,7 +7088,7 @@
                 </a:tc>
                 <a:extLst>
                   <a:ext uri="{0D108BD9-81ED-4DB2-BD59-A6C34878D82A}">
-                    <a16:rowId xmlns="" xmlns:a16="http://schemas.microsoft.com/office/drawing/2014/main" val="10004"/>
+                    <a16:rowId xmlns:a16="http://schemas.microsoft.com/office/drawing/2014/main" xmlns="" val="10004"/>
                   </a:ext>
                 </a:extLst>
               </a:tr>
@@ -7165,7 +7165,7 @@
                 </a:tc>
                 <a:extLst>
                   <a:ext uri="{0D108BD9-81ED-4DB2-BD59-A6C34878D82A}">
-                    <a16:rowId xmlns="" xmlns:a16="http://schemas.microsoft.com/office/drawing/2014/main" val="10005"/>
+                    <a16:rowId xmlns:a16="http://schemas.microsoft.com/office/drawing/2014/main" xmlns="" val="10005"/>
                   </a:ext>
                 </a:extLst>
               </a:tr>
@@ -8083,14 +8083,14 @@
                 <a:gridCol w="3030184">
                   <a:extLst>
                     <a:ext uri="{9D8B030D-6E8A-4147-A177-3AD203B41FA5}">
-                      <a16:colId xmlns="" xmlns:a16="http://schemas.microsoft.com/office/drawing/2014/main" val="20000"/>
+                      <a16:colId xmlns:a16="http://schemas.microsoft.com/office/drawing/2014/main" xmlns="" val="20000"/>
                     </a:ext>
                   </a:extLst>
                 </a:gridCol>
                 <a:gridCol w="1789854">
                   <a:extLst>
                     <a:ext uri="{9D8B030D-6E8A-4147-A177-3AD203B41FA5}">
-                      <a16:colId xmlns="" xmlns:a16="http://schemas.microsoft.com/office/drawing/2014/main" val="20001"/>
+                      <a16:colId xmlns:a16="http://schemas.microsoft.com/office/drawing/2014/main" xmlns="" val="20001"/>
                     </a:ext>
                   </a:extLst>
                 </a:gridCol>
@@ -8174,7 +8174,7 @@
                 </a:tc>
                 <a:extLst>
                   <a:ext uri="{0D108BD9-81ED-4DB2-BD59-A6C34878D82A}">
-                    <a16:rowId xmlns="" xmlns:a16="http://schemas.microsoft.com/office/drawing/2014/main" val="10000"/>
+                    <a16:rowId xmlns:a16="http://schemas.microsoft.com/office/drawing/2014/main" xmlns="" val="10000"/>
                   </a:ext>
                 </a:extLst>
               </a:tr>
@@ -8251,7 +8251,7 @@
                 </a:tc>
                 <a:extLst>
                   <a:ext uri="{0D108BD9-81ED-4DB2-BD59-A6C34878D82A}">
-                    <a16:rowId xmlns="" xmlns:a16="http://schemas.microsoft.com/office/drawing/2014/main" val="10001"/>
+                    <a16:rowId xmlns:a16="http://schemas.microsoft.com/office/drawing/2014/main" xmlns="" val="10001"/>
                   </a:ext>
                 </a:extLst>
               </a:tr>
@@ -8328,7 +8328,7 @@
                 </a:tc>
                 <a:extLst>
                   <a:ext uri="{0D108BD9-81ED-4DB2-BD59-A6C34878D82A}">
-                    <a16:rowId xmlns="" xmlns:a16="http://schemas.microsoft.com/office/drawing/2014/main" val="10002"/>
+                    <a16:rowId xmlns:a16="http://schemas.microsoft.com/office/drawing/2014/main" xmlns="" val="10002"/>
                   </a:ext>
                 </a:extLst>
               </a:tr>
@@ -8405,7 +8405,7 @@
                 </a:tc>
                 <a:extLst>
                   <a:ext uri="{0D108BD9-81ED-4DB2-BD59-A6C34878D82A}">
-                    <a16:rowId xmlns="" xmlns:a16="http://schemas.microsoft.com/office/drawing/2014/main" val="10003"/>
+                    <a16:rowId xmlns:a16="http://schemas.microsoft.com/office/drawing/2014/main" xmlns="" val="10003"/>
                   </a:ext>
                 </a:extLst>
               </a:tr>
@@ -8482,7 +8482,7 @@
                 </a:tc>
                 <a:extLst>
                   <a:ext uri="{0D108BD9-81ED-4DB2-BD59-A6C34878D82A}">
-                    <a16:rowId xmlns="" xmlns:a16="http://schemas.microsoft.com/office/drawing/2014/main" val="10004"/>
+                    <a16:rowId xmlns:a16="http://schemas.microsoft.com/office/drawing/2014/main" xmlns="" val="10004"/>
                   </a:ext>
                 </a:extLst>
               </a:tr>
@@ -8559,7 +8559,7 @@
                 </a:tc>
                 <a:extLst>
                   <a:ext uri="{0D108BD9-81ED-4DB2-BD59-A6C34878D82A}">
-                    <a16:rowId xmlns="" xmlns:a16="http://schemas.microsoft.com/office/drawing/2014/main" val="10005"/>
+                    <a16:rowId xmlns:a16="http://schemas.microsoft.com/office/drawing/2014/main" xmlns="" val="10005"/>
                   </a:ext>
                 </a:extLst>
               </a:tr>
@@ -9413,11 +9413,19 @@
             </a:r>
             <a:r>
               <a:rPr lang="en-US" sz="1400" dirty="0" smtClean="0"/>
-              <a:t> 	This </a:t>
+              <a:t> 	</a:t>
+            </a:r>
+            <a:r>
+              <a:rPr lang="en-US" sz="1400" smtClean="0"/>
+              <a:t>This </a:t>
+            </a:r>
+            <a:r>
+              <a:rPr lang="en-US" sz="1400" smtClean="0"/>
+              <a:t>dataset </a:t>
             </a:r>
             <a:r>
               <a:rPr lang="en-US" sz="1400" dirty="0"/>
-              <a:t>data set was obtained from a previous study done to explore a similar problem. It included about 102,000 observations and 50 variables. More information is available here: </a:t>
+              <a:t>was obtained from a previous study done to explore a similar problem. It included about 102,000 observations and 50 variables. More information is available here: </a:t>
             </a:r>
             <a:r>
               <a:rPr lang="en-US" sz="1400" u="sng" dirty="0">
@@ -9539,14 +9547,10 @@
           <a:p>
             <a:r>
               <a:rPr lang="en-US" sz="1400" dirty="0"/>
-              <a:t>4</a:t>
-            </a:r>
-            <a:r>
-              <a:rPr lang="en-US" sz="1400"/>
-              <a:t>. </a:t>
-            </a:r>
-            <a:r>
-              <a:rPr lang="en-US" sz="1400" smtClean="0"/>
+              <a:t>4. </a:t>
+            </a:r>
+            <a:r>
+              <a:rPr lang="en-US" sz="1400" dirty="0" smtClean="0"/>
               <a:t>	F</a:t>
             </a:r>
             <a:r>
@@ -10547,28 +10551,28 @@
                 <a:gridCol w="1268206">
                   <a:extLst>
                     <a:ext uri="{9D8B030D-6E8A-4147-A177-3AD203B41FA5}">
-                      <a16:colId xmlns="" xmlns:a16="http://schemas.microsoft.com/office/drawing/2014/main" val="20000"/>
+                      <a16:colId xmlns:a16="http://schemas.microsoft.com/office/drawing/2014/main" xmlns="" val="20000"/>
                     </a:ext>
                   </a:extLst>
                 </a:gridCol>
                 <a:gridCol w="1268206">
                   <a:extLst>
                     <a:ext uri="{9D8B030D-6E8A-4147-A177-3AD203B41FA5}">
-                      <a16:colId xmlns="" xmlns:a16="http://schemas.microsoft.com/office/drawing/2014/main" val="20001"/>
+                      <a16:colId xmlns:a16="http://schemas.microsoft.com/office/drawing/2014/main" xmlns="" val="20001"/>
                     </a:ext>
                   </a:extLst>
                 </a:gridCol>
                 <a:gridCol w="1268206">
                   <a:extLst>
                     <a:ext uri="{9D8B030D-6E8A-4147-A177-3AD203B41FA5}">
-                      <a16:colId xmlns="" xmlns:a16="http://schemas.microsoft.com/office/drawing/2014/main" val="20002"/>
+                      <a16:colId xmlns:a16="http://schemas.microsoft.com/office/drawing/2014/main" xmlns="" val="20002"/>
                     </a:ext>
                   </a:extLst>
                 </a:gridCol>
                 <a:gridCol w="1268206">
                   <a:extLst>
                     <a:ext uri="{9D8B030D-6E8A-4147-A177-3AD203B41FA5}">
-                      <a16:colId xmlns="" xmlns:a16="http://schemas.microsoft.com/office/drawing/2014/main" val="20003"/>
+                      <a16:colId xmlns:a16="http://schemas.microsoft.com/office/drawing/2014/main" xmlns="" val="20003"/>
                     </a:ext>
                   </a:extLst>
                 </a:gridCol>
@@ -10834,7 +10838,7 @@
                 </a:tc>
                 <a:extLst>
                   <a:ext uri="{0D108BD9-81ED-4DB2-BD59-A6C34878D82A}">
-                    <a16:rowId xmlns="" xmlns:a16="http://schemas.microsoft.com/office/drawing/2014/main" val="10000"/>
+                    <a16:rowId xmlns:a16="http://schemas.microsoft.com/office/drawing/2014/main" xmlns="" val="10000"/>
                   </a:ext>
                 </a:extLst>
               </a:tr>
@@ -11005,7 +11009,7 @@
                 </a:tc>
                 <a:extLst>
                   <a:ext uri="{0D108BD9-81ED-4DB2-BD59-A6C34878D82A}">
-                    <a16:rowId xmlns="" xmlns:a16="http://schemas.microsoft.com/office/drawing/2014/main" val="10001"/>
+                    <a16:rowId xmlns:a16="http://schemas.microsoft.com/office/drawing/2014/main" xmlns="" val="10001"/>
                   </a:ext>
                 </a:extLst>
               </a:tr>
@@ -11176,7 +11180,7 @@
                 </a:tc>
                 <a:extLst>
                   <a:ext uri="{0D108BD9-81ED-4DB2-BD59-A6C34878D82A}">
-                    <a16:rowId xmlns="" xmlns:a16="http://schemas.microsoft.com/office/drawing/2014/main" val="10002"/>
+                    <a16:rowId xmlns:a16="http://schemas.microsoft.com/office/drawing/2014/main" xmlns="" val="10002"/>
                   </a:ext>
                 </a:extLst>
               </a:tr>
@@ -11347,7 +11351,7 @@
                 </a:tc>
                 <a:extLst>
                   <a:ext uri="{0D108BD9-81ED-4DB2-BD59-A6C34878D82A}">
-                    <a16:rowId xmlns="" xmlns:a16="http://schemas.microsoft.com/office/drawing/2014/main" val="10003"/>
+                    <a16:rowId xmlns:a16="http://schemas.microsoft.com/office/drawing/2014/main" xmlns="" val="10003"/>
                   </a:ext>
                 </a:extLst>
               </a:tr>

--- a/diabetes_readmission/CP1_deck__new.pptx
+++ b/diabetes_readmission/CP1_deck__new.pptx
@@ -136,7 +136,7 @@
   </p:defaultTextStyle>
   <p:extLst>
     <p:ext uri="{EFAFB233-063F-42B5-8137-9DF3F51BA10A}">
-      <p15:sldGuideLst xmlns:p15="http://schemas.microsoft.com/office/powerpoint/2012/main" xmlns="">
+      <p15:sldGuideLst xmlns="" xmlns:p15="http://schemas.microsoft.com/office/powerpoint/2012/main">
         <p15:guide id="1" orient="horz" pos="2160">
           <p15:clr>
             <a:srgbClr val="A4A3A4"/>
@@ -235,7 +235,7 @@
           <a:p>
             <a:fld id="{B95983EA-983F-904F-83DD-974C6F7583DD}" type="datetimeFigureOut">
               <a:rPr lang="en-US" smtClean="0"/>
-              <a:t>10/8/17</a:t>
+              <a:t>10/9/17</a:t>
             </a:fld>
             <a:endParaRPr lang="en-US"/>
           </a:p>
@@ -401,7 +401,7 @@
           <a:p>
             <a:fld id="{D7575A28-C723-284E-AA52-8335EFAFF39B}" type="datetimeFigureOut">
               <a:rPr lang="en-US" smtClean="0"/>
-              <a:t>10/8/17</a:t>
+              <a:t>10/9/17</a:t>
             </a:fld>
             <a:endParaRPr lang="en-US"/>
           </a:p>
@@ -1138,7 +1138,7 @@
           <a:p>
             <a:fld id="{44D51437-4112-A249-A00E-EA57547645CF}" type="datetime4">
               <a:rPr lang="en-US" smtClean="0"/>
-              <a:t>October 8, 2017</a:t>
+              <a:t>October 9, 2017</a:t>
             </a:fld>
             <a:endParaRPr lang="en-US" dirty="0"/>
           </a:p>
@@ -1302,7 +1302,7 @@
           <a:p>
             <a:fld id="{B7C83C30-3E8E-584E-9421-C65822A6F497}" type="datetime4">
               <a:rPr lang="en-US" smtClean="0"/>
-              <a:t>October 8, 2017</a:t>
+              <a:t>October 9, 2017</a:t>
             </a:fld>
             <a:endParaRPr lang="en-US" dirty="0"/>
           </a:p>
@@ -1477,7 +1477,7 @@
           <a:p>
             <a:fld id="{2CE5FF52-2F48-A241-A371-E854A4247CAD}" type="datetime4">
               <a:rPr lang="en-US" smtClean="0"/>
-              <a:t>October 8, 2017</a:t>
+              <a:t>October 9, 2017</a:t>
             </a:fld>
             <a:endParaRPr lang="en-US" dirty="0"/>
           </a:p>
@@ -1642,7 +1642,7 @@
           <a:p>
             <a:fld id="{09E13A11-5CA4-0741-B58E-3B20191AF4EE}" type="datetime4">
               <a:rPr lang="en-US" smtClean="0"/>
-              <a:t>October 8, 2017</a:t>
+              <a:t>October 9, 2017</a:t>
             </a:fld>
             <a:endParaRPr lang="en-US" dirty="0"/>
           </a:p>
@@ -2196,7 +2196,7 @@
           <a:p>
             <a:fld id="{53D8DDA2-7E91-D145-8B0D-E06679982622}" type="datetime4">
               <a:rPr lang="en-US" smtClean="0"/>
-              <a:t>October 8, 2017</a:t>
+              <a:t>October 9, 2017</a:t>
             </a:fld>
             <a:endParaRPr lang="en-US" dirty="0"/>
           </a:p>
@@ -2457,7 +2457,7 @@
           <a:p>
             <a:fld id="{A7412871-B456-6748-AA0E-B31450319AA8}" type="datetime4">
               <a:rPr lang="en-US" smtClean="0"/>
-              <a:t>October 8, 2017</a:t>
+              <a:t>October 9, 2017</a:t>
             </a:fld>
             <a:endParaRPr lang="en-US" dirty="0"/>
           </a:p>
@@ -2944,7 +2944,7 @@
           <a:p>
             <a:fld id="{2062E030-E80F-FE4F-B834-FD74F0652C36}" type="datetime4">
               <a:rPr lang="en-US" smtClean="0"/>
-              <a:t>October 8, 2017</a:t>
+              <a:t>October 9, 2017</a:t>
             </a:fld>
             <a:endParaRPr lang="en-US" dirty="0"/>
           </a:p>
@@ -3057,7 +3057,7 @@
           <a:p>
             <a:fld id="{12AB333E-2F3C-ED46-90F6-113FB1EC5773}" type="datetime4">
               <a:rPr lang="en-US" smtClean="0"/>
-              <a:t>October 8, 2017</a:t>
+              <a:t>October 9, 2017</a:t>
             </a:fld>
             <a:endParaRPr lang="en-US" dirty="0"/>
           </a:p>
@@ -3148,7 +3148,7 @@
           <a:p>
             <a:fld id="{7C736400-4D78-1D47-A6F1-333FBACA4314}" type="datetime4">
               <a:rPr lang="en-US" smtClean="0"/>
-              <a:t>October 8, 2017</a:t>
+              <a:t>October 9, 2017</a:t>
             </a:fld>
             <a:endParaRPr lang="en-US" dirty="0"/>
           </a:p>
@@ -3579,7 +3579,7 @@
           <a:p>
             <a:fld id="{D82C8B98-0744-1D4C-8D42-93EFFAB4A171}" type="datetime4">
               <a:rPr lang="en-US" smtClean="0"/>
-              <a:t>October 8, 2017</a:t>
+              <a:t>October 9, 2017</a:t>
             </a:fld>
             <a:endParaRPr lang="en-US" dirty="0"/>
           </a:p>
@@ -4112,7 +4112,7 @@
           <a:p>
             <a:fld id="{34FC1E88-744D-8E4B-A2D7-34F711E68353}" type="datetime4">
               <a:rPr lang="en-US" smtClean="0"/>
-              <a:t>October 8, 2017</a:t>
+              <a:t>October 9, 2017</a:t>
             </a:fld>
             <a:endParaRPr lang="en-US" dirty="0"/>
           </a:p>
@@ -4959,7 +4959,7 @@
           <a:p>
             <a:fld id="{8012553C-9623-FF42-8D0B-26245A150A2D}" type="datetime4">
               <a:rPr lang="en-US" smtClean="0"/>
-              <a:t>October 8, 2017</a:t>
+              <a:t>October 9, 2017</a:t>
             </a:fld>
             <a:endParaRPr lang="en-US" dirty="0"/>
           </a:p>
@@ -6206,21 +6206,21 @@
                 <a:gridCol w="1493133">
                   <a:extLst>
                     <a:ext uri="{9D8B030D-6E8A-4147-A177-3AD203B41FA5}">
-                      <a16:colId xmlns:a16="http://schemas.microsoft.com/office/drawing/2014/main" xmlns="" val="20000"/>
+                      <a16:colId xmlns="" xmlns:a16="http://schemas.microsoft.com/office/drawing/2014/main" val="20000"/>
                     </a:ext>
                   </a:extLst>
                 </a:gridCol>
                 <a:gridCol w="1493133">
                   <a:extLst>
                     <a:ext uri="{9D8B030D-6E8A-4147-A177-3AD203B41FA5}">
-                      <a16:colId xmlns:a16="http://schemas.microsoft.com/office/drawing/2014/main" xmlns="" val="20001"/>
+                      <a16:colId xmlns="" xmlns:a16="http://schemas.microsoft.com/office/drawing/2014/main" val="20001"/>
                     </a:ext>
                   </a:extLst>
                 </a:gridCol>
                 <a:gridCol w="1493133">
                   <a:extLst>
                     <a:ext uri="{9D8B030D-6E8A-4147-A177-3AD203B41FA5}">
-                      <a16:colId xmlns:a16="http://schemas.microsoft.com/office/drawing/2014/main" xmlns="" val="20002"/>
+                      <a16:colId xmlns="" xmlns:a16="http://schemas.microsoft.com/office/drawing/2014/main" val="20002"/>
                     </a:ext>
                   </a:extLst>
                 </a:gridCol>
@@ -6330,7 +6330,7 @@
                 </a:tc>
                 <a:extLst>
                   <a:ext uri="{0D108BD9-81ED-4DB2-BD59-A6C34878D82A}">
-                    <a16:rowId xmlns:a16="http://schemas.microsoft.com/office/drawing/2014/main" xmlns="" val="10000"/>
+                    <a16:rowId xmlns="" xmlns:a16="http://schemas.microsoft.com/office/drawing/2014/main" val="10000"/>
                   </a:ext>
                 </a:extLst>
               </a:tr>
@@ -6451,7 +6451,7 @@
                 </a:tc>
                 <a:extLst>
                   <a:ext uri="{0D108BD9-81ED-4DB2-BD59-A6C34878D82A}">
-                    <a16:rowId xmlns:a16="http://schemas.microsoft.com/office/drawing/2014/main" xmlns="" val="10001"/>
+                    <a16:rowId xmlns="" xmlns:a16="http://schemas.microsoft.com/office/drawing/2014/main" val="10001"/>
                   </a:ext>
                 </a:extLst>
               </a:tr>
@@ -6572,7 +6572,7 @@
                 </a:tc>
                 <a:extLst>
                   <a:ext uri="{0D108BD9-81ED-4DB2-BD59-A6C34878D82A}">
-                    <a16:rowId xmlns:a16="http://schemas.microsoft.com/office/drawing/2014/main" xmlns="" val="10002"/>
+                    <a16:rowId xmlns="" xmlns:a16="http://schemas.microsoft.com/office/drawing/2014/main" val="10002"/>
                   </a:ext>
                 </a:extLst>
               </a:tr>
@@ -6689,14 +6689,14 @@
                 <a:gridCol w="3030184">
                   <a:extLst>
                     <a:ext uri="{9D8B030D-6E8A-4147-A177-3AD203B41FA5}">
-                      <a16:colId xmlns:a16="http://schemas.microsoft.com/office/drawing/2014/main" xmlns="" val="20000"/>
+                      <a16:colId xmlns="" xmlns:a16="http://schemas.microsoft.com/office/drawing/2014/main" val="20000"/>
                     </a:ext>
                   </a:extLst>
                 </a:gridCol>
                 <a:gridCol w="1789854">
                   <a:extLst>
                     <a:ext uri="{9D8B030D-6E8A-4147-A177-3AD203B41FA5}">
-                      <a16:colId xmlns:a16="http://schemas.microsoft.com/office/drawing/2014/main" xmlns="" val="20001"/>
+                      <a16:colId xmlns="" xmlns:a16="http://schemas.microsoft.com/office/drawing/2014/main" val="20001"/>
                     </a:ext>
                   </a:extLst>
                 </a:gridCol>
@@ -6780,7 +6780,7 @@
                 </a:tc>
                 <a:extLst>
                   <a:ext uri="{0D108BD9-81ED-4DB2-BD59-A6C34878D82A}">
-                    <a16:rowId xmlns:a16="http://schemas.microsoft.com/office/drawing/2014/main" xmlns="" val="10000"/>
+                    <a16:rowId xmlns="" xmlns:a16="http://schemas.microsoft.com/office/drawing/2014/main" val="10000"/>
                   </a:ext>
                 </a:extLst>
               </a:tr>
@@ -6857,7 +6857,7 @@
                 </a:tc>
                 <a:extLst>
                   <a:ext uri="{0D108BD9-81ED-4DB2-BD59-A6C34878D82A}">
-                    <a16:rowId xmlns:a16="http://schemas.microsoft.com/office/drawing/2014/main" xmlns="" val="10001"/>
+                    <a16:rowId xmlns="" xmlns:a16="http://schemas.microsoft.com/office/drawing/2014/main" val="10001"/>
                   </a:ext>
                 </a:extLst>
               </a:tr>
@@ -6934,7 +6934,7 @@
                 </a:tc>
                 <a:extLst>
                   <a:ext uri="{0D108BD9-81ED-4DB2-BD59-A6C34878D82A}">
-                    <a16:rowId xmlns:a16="http://schemas.microsoft.com/office/drawing/2014/main" xmlns="" val="10002"/>
+                    <a16:rowId xmlns="" xmlns:a16="http://schemas.microsoft.com/office/drawing/2014/main" val="10002"/>
                   </a:ext>
                 </a:extLst>
               </a:tr>
@@ -7011,7 +7011,7 @@
                 </a:tc>
                 <a:extLst>
                   <a:ext uri="{0D108BD9-81ED-4DB2-BD59-A6C34878D82A}">
-                    <a16:rowId xmlns:a16="http://schemas.microsoft.com/office/drawing/2014/main" xmlns="" val="10003"/>
+                    <a16:rowId xmlns="" xmlns:a16="http://schemas.microsoft.com/office/drawing/2014/main" val="10003"/>
                   </a:ext>
                 </a:extLst>
               </a:tr>
@@ -7088,7 +7088,7 @@
                 </a:tc>
                 <a:extLst>
                   <a:ext uri="{0D108BD9-81ED-4DB2-BD59-A6C34878D82A}">
-                    <a16:rowId xmlns:a16="http://schemas.microsoft.com/office/drawing/2014/main" xmlns="" val="10004"/>
+                    <a16:rowId xmlns="" xmlns:a16="http://schemas.microsoft.com/office/drawing/2014/main" val="10004"/>
                   </a:ext>
                 </a:extLst>
               </a:tr>
@@ -7165,7 +7165,7 @@
                 </a:tc>
                 <a:extLst>
                   <a:ext uri="{0D108BD9-81ED-4DB2-BD59-A6C34878D82A}">
-                    <a16:rowId xmlns:a16="http://schemas.microsoft.com/office/drawing/2014/main" xmlns="" val="10005"/>
+                    <a16:rowId xmlns="" xmlns:a16="http://schemas.microsoft.com/office/drawing/2014/main" val="10005"/>
                   </a:ext>
                 </a:extLst>
               </a:tr>
@@ -8083,14 +8083,14 @@
                 <a:gridCol w="3030184">
                   <a:extLst>
                     <a:ext uri="{9D8B030D-6E8A-4147-A177-3AD203B41FA5}">
-                      <a16:colId xmlns:a16="http://schemas.microsoft.com/office/drawing/2014/main" xmlns="" val="20000"/>
+                      <a16:colId xmlns="" xmlns:a16="http://schemas.microsoft.com/office/drawing/2014/main" val="20000"/>
                     </a:ext>
                   </a:extLst>
                 </a:gridCol>
                 <a:gridCol w="1789854">
                   <a:extLst>
                     <a:ext uri="{9D8B030D-6E8A-4147-A177-3AD203B41FA5}">
-                      <a16:colId xmlns:a16="http://schemas.microsoft.com/office/drawing/2014/main" xmlns="" val="20001"/>
+                      <a16:colId xmlns="" xmlns:a16="http://schemas.microsoft.com/office/drawing/2014/main" val="20001"/>
                     </a:ext>
                   </a:extLst>
                 </a:gridCol>
@@ -8174,7 +8174,7 @@
                 </a:tc>
                 <a:extLst>
                   <a:ext uri="{0D108BD9-81ED-4DB2-BD59-A6C34878D82A}">
-                    <a16:rowId xmlns:a16="http://schemas.microsoft.com/office/drawing/2014/main" xmlns="" val="10000"/>
+                    <a16:rowId xmlns="" xmlns:a16="http://schemas.microsoft.com/office/drawing/2014/main" val="10000"/>
                   </a:ext>
                 </a:extLst>
               </a:tr>
@@ -8251,7 +8251,7 @@
                 </a:tc>
                 <a:extLst>
                   <a:ext uri="{0D108BD9-81ED-4DB2-BD59-A6C34878D82A}">
-                    <a16:rowId xmlns:a16="http://schemas.microsoft.com/office/drawing/2014/main" xmlns="" val="10001"/>
+                    <a16:rowId xmlns="" xmlns:a16="http://schemas.microsoft.com/office/drawing/2014/main" val="10001"/>
                   </a:ext>
                 </a:extLst>
               </a:tr>
@@ -8328,7 +8328,7 @@
                 </a:tc>
                 <a:extLst>
                   <a:ext uri="{0D108BD9-81ED-4DB2-BD59-A6C34878D82A}">
-                    <a16:rowId xmlns:a16="http://schemas.microsoft.com/office/drawing/2014/main" xmlns="" val="10002"/>
+                    <a16:rowId xmlns="" xmlns:a16="http://schemas.microsoft.com/office/drawing/2014/main" val="10002"/>
                   </a:ext>
                 </a:extLst>
               </a:tr>
@@ -8405,7 +8405,7 @@
                 </a:tc>
                 <a:extLst>
                   <a:ext uri="{0D108BD9-81ED-4DB2-BD59-A6C34878D82A}">
-                    <a16:rowId xmlns:a16="http://schemas.microsoft.com/office/drawing/2014/main" xmlns="" val="10003"/>
+                    <a16:rowId xmlns="" xmlns:a16="http://schemas.microsoft.com/office/drawing/2014/main" val="10003"/>
                   </a:ext>
                 </a:extLst>
               </a:tr>
@@ -8482,7 +8482,7 @@
                 </a:tc>
                 <a:extLst>
                   <a:ext uri="{0D108BD9-81ED-4DB2-BD59-A6C34878D82A}">
-                    <a16:rowId xmlns:a16="http://schemas.microsoft.com/office/drawing/2014/main" xmlns="" val="10004"/>
+                    <a16:rowId xmlns="" xmlns:a16="http://schemas.microsoft.com/office/drawing/2014/main" val="10004"/>
                   </a:ext>
                 </a:extLst>
               </a:tr>
@@ -8559,7 +8559,7 @@
                 </a:tc>
                 <a:extLst>
                   <a:ext uri="{0D108BD9-81ED-4DB2-BD59-A6C34878D82A}">
-                    <a16:rowId xmlns:a16="http://schemas.microsoft.com/office/drawing/2014/main" xmlns="" val="10005"/>
+                    <a16:rowId xmlns="" xmlns:a16="http://schemas.microsoft.com/office/drawing/2014/main" val="10005"/>
                   </a:ext>
                 </a:extLst>
               </a:tr>
@@ -9413,15 +9413,7 @@
             </a:r>
             <a:r>
               <a:rPr lang="en-US" sz="1400" dirty="0" smtClean="0"/>
-              <a:t> 	</a:t>
-            </a:r>
-            <a:r>
-              <a:rPr lang="en-US" sz="1400" smtClean="0"/>
-              <a:t>This </a:t>
-            </a:r>
-            <a:r>
-              <a:rPr lang="en-US" sz="1400" smtClean="0"/>
-              <a:t>dataset </a:t>
+              <a:t> 	This dataset </a:t>
             </a:r>
             <a:r>
               <a:rPr lang="en-US" sz="1400" dirty="0"/>
@@ -9450,7 +9442,11 @@
             </a:r>
             <a:r>
               <a:rPr lang="en-US" sz="1400" dirty="0" smtClean="0"/>
-              <a:t>	Guillaume  </a:t>
+              <a:t>	</a:t>
+            </a:r>
+            <a:r>
+              <a:rPr lang="en-US" sz="1400" dirty="0" smtClean="0"/>
+              <a:t>Guillaume </a:t>
             </a:r>
             <a:r>
               <a:rPr lang="en-US" sz="1400" dirty="0" err="1" smtClean="0"/>
@@ -9667,7 +9663,27 @@
             </a:r>
             <a:r>
               <a:rPr lang="en-US" sz="1400" dirty="0"/>
-              <a:t>-learn: Machine Learning in Python.” Journal of Machine Learning Research,  vol. 12,  pages 2825-2830, 2011. </a:t>
+              <a:t>-learn: Machine Learning in Python.” Journal of Machine Learning Research, </a:t>
+            </a:r>
+            <a:r>
+              <a:rPr lang="en-US" sz="1400" dirty="0" smtClean="0"/>
+              <a:t>vol</a:t>
+            </a:r>
+            <a:r>
+              <a:rPr lang="en-US" sz="1400" dirty="0"/>
+              <a:t>. 12</a:t>
+            </a:r>
+            <a:r>
+              <a:rPr lang="en-US" sz="1400"/>
+              <a:t>, </a:t>
+            </a:r>
+            <a:r>
+              <a:rPr lang="en-US" sz="1400" smtClean="0"/>
+              <a:t>pages </a:t>
+            </a:r>
+            <a:r>
+              <a:rPr lang="en-US" sz="1400" dirty="0"/>
+              <a:t>2825-2830, 2011. </a:t>
             </a:r>
           </a:p>
         </p:txBody>
@@ -10551,28 +10567,28 @@
                 <a:gridCol w="1268206">
                   <a:extLst>
                     <a:ext uri="{9D8B030D-6E8A-4147-A177-3AD203B41FA5}">
-                      <a16:colId xmlns:a16="http://schemas.microsoft.com/office/drawing/2014/main" xmlns="" val="20000"/>
+                      <a16:colId xmlns="" xmlns:a16="http://schemas.microsoft.com/office/drawing/2014/main" val="20000"/>
                     </a:ext>
                   </a:extLst>
                 </a:gridCol>
                 <a:gridCol w="1268206">
                   <a:extLst>
                     <a:ext uri="{9D8B030D-6E8A-4147-A177-3AD203B41FA5}">
-                      <a16:colId xmlns:a16="http://schemas.microsoft.com/office/drawing/2014/main" xmlns="" val="20001"/>
+                      <a16:colId xmlns="" xmlns:a16="http://schemas.microsoft.com/office/drawing/2014/main" val="20001"/>
                     </a:ext>
                   </a:extLst>
                 </a:gridCol>
                 <a:gridCol w="1268206">
                   <a:extLst>
                     <a:ext uri="{9D8B030D-6E8A-4147-A177-3AD203B41FA5}">
-                      <a16:colId xmlns:a16="http://schemas.microsoft.com/office/drawing/2014/main" xmlns="" val="20002"/>
+                      <a16:colId xmlns="" xmlns:a16="http://schemas.microsoft.com/office/drawing/2014/main" val="20002"/>
                     </a:ext>
                   </a:extLst>
                 </a:gridCol>
                 <a:gridCol w="1268206">
                   <a:extLst>
                     <a:ext uri="{9D8B030D-6E8A-4147-A177-3AD203B41FA5}">
-                      <a16:colId xmlns:a16="http://schemas.microsoft.com/office/drawing/2014/main" xmlns="" val="20003"/>
+                      <a16:colId xmlns="" xmlns:a16="http://schemas.microsoft.com/office/drawing/2014/main" val="20003"/>
                     </a:ext>
                   </a:extLst>
                 </a:gridCol>
@@ -10838,7 +10854,7 @@
                 </a:tc>
                 <a:extLst>
                   <a:ext uri="{0D108BD9-81ED-4DB2-BD59-A6C34878D82A}">
-                    <a16:rowId xmlns:a16="http://schemas.microsoft.com/office/drawing/2014/main" xmlns="" val="10000"/>
+                    <a16:rowId xmlns="" xmlns:a16="http://schemas.microsoft.com/office/drawing/2014/main" val="10000"/>
                   </a:ext>
                 </a:extLst>
               </a:tr>
@@ -11009,7 +11025,7 @@
                 </a:tc>
                 <a:extLst>
                   <a:ext uri="{0D108BD9-81ED-4DB2-BD59-A6C34878D82A}">
-                    <a16:rowId xmlns:a16="http://schemas.microsoft.com/office/drawing/2014/main" xmlns="" val="10001"/>
+                    <a16:rowId xmlns="" xmlns:a16="http://schemas.microsoft.com/office/drawing/2014/main" val="10001"/>
                   </a:ext>
                 </a:extLst>
               </a:tr>
@@ -11180,7 +11196,7 @@
                 </a:tc>
                 <a:extLst>
                   <a:ext uri="{0D108BD9-81ED-4DB2-BD59-A6C34878D82A}">
-                    <a16:rowId xmlns:a16="http://schemas.microsoft.com/office/drawing/2014/main" xmlns="" val="10002"/>
+                    <a16:rowId xmlns="" xmlns:a16="http://schemas.microsoft.com/office/drawing/2014/main" val="10002"/>
                   </a:ext>
                 </a:extLst>
               </a:tr>
@@ -11351,7 +11367,7 @@
                 </a:tc>
                 <a:extLst>
                   <a:ext uri="{0D108BD9-81ED-4DB2-BD59-A6C34878D82A}">
-                    <a16:rowId xmlns:a16="http://schemas.microsoft.com/office/drawing/2014/main" xmlns="" val="10003"/>
+                    <a16:rowId xmlns="" xmlns:a16="http://schemas.microsoft.com/office/drawing/2014/main" val="10003"/>
                   </a:ext>
                 </a:extLst>
               </a:tr>
